--- a/ppt-doc/vip-shop.pptx
+++ b/ppt-doc/vip-shop.pptx
@@ -8,16 +8,22 @@
     <p:sldId id="256" r:id="rId2"/>
     <p:sldId id="257" r:id="rId3"/>
     <p:sldId id="258" r:id="rId4"/>
-    <p:sldId id="259" r:id="rId5"/>
-    <p:sldId id="260" r:id="rId6"/>
-    <p:sldId id="261" r:id="rId7"/>
-    <p:sldId id="262" r:id="rId8"/>
-    <p:sldId id="263" r:id="rId9"/>
-    <p:sldId id="264" r:id="rId10"/>
-    <p:sldId id="265" r:id="rId11"/>
-    <p:sldId id="266" r:id="rId12"/>
-    <p:sldId id="267" r:id="rId13"/>
-    <p:sldId id="268" r:id="rId14"/>
+    <p:sldId id="269" r:id="rId5"/>
+    <p:sldId id="270" r:id="rId6"/>
+    <p:sldId id="271" r:id="rId7"/>
+    <p:sldId id="272" r:id="rId8"/>
+    <p:sldId id="273" r:id="rId9"/>
+    <p:sldId id="259" r:id="rId10"/>
+    <p:sldId id="260" r:id="rId11"/>
+    <p:sldId id="261" r:id="rId12"/>
+    <p:sldId id="262" r:id="rId13"/>
+    <p:sldId id="263" r:id="rId14"/>
+    <p:sldId id="264" r:id="rId15"/>
+    <p:sldId id="265" r:id="rId16"/>
+    <p:sldId id="266" r:id="rId17"/>
+    <p:sldId id="267" r:id="rId18"/>
+    <p:sldId id="268" r:id="rId19"/>
+    <p:sldId id="274" r:id="rId20"/>
   </p:sldIdLst>
   <p:sldSz cx="12192000" cy="6858000"/>
   <p:notesSz cx="6858000" cy="9144000"/>
@@ -7719,6 +7725,544 @@
           <a:bodyPr/>
           <a:lstStyle/>
           <a:p>
+            <a:r>
+              <a:rPr kumimoji="1" lang="zh-CN" altLang="en-US" dirty="0" smtClean="0"/>
+              <a:t>实现流程</a:t>
+            </a:r>
+            <a:endParaRPr kumimoji="1" lang="zh-CN" altLang="en-US" dirty="0"/>
+          </a:p>
+        </p:txBody>
+      </p:sp>
+      <p:pic>
+        <p:nvPicPr>
+          <p:cNvPr id="4" name="内容占位符 3"/>
+          <p:cNvPicPr>
+            <a:picLocks noGrp="1" noChangeAspect="1"/>
+          </p:cNvPicPr>
+          <p:nvPr>
+            <p:ph idx="1"/>
+          </p:nvPr>
+        </p:nvPicPr>
+        <p:blipFill>
+          <a:blip r:embed="rId2">
+            <a:extLst>
+              <a:ext uri="{28A0092B-C50C-407E-A947-70E740481C1C}">
+                <a14:useLocalDpi xmlns:a14="http://schemas.microsoft.com/office/drawing/2010/main" val="0"/>
+              </a:ext>
+            </a:extLst>
+          </a:blip>
+          <a:stretch>
+            <a:fillRect/>
+          </a:stretch>
+        </p:blipFill>
+        <p:spPr>
+          <a:xfrm>
+            <a:off x="2592925" y="1264555"/>
+            <a:ext cx="7346722" cy="5327370"/>
+          </a:xfrm>
+        </p:spPr>
+      </p:pic>
+    </p:spTree>
+    <p:extLst>
+      <p:ext uri="{BB962C8B-B14F-4D97-AF65-F5344CB8AC3E}">
+        <p14:creationId xmlns:p14="http://schemas.microsoft.com/office/powerpoint/2010/main" val="2108782791"/>
+      </p:ext>
+    </p:extLst>
+  </p:cSld>
+  <p:clrMapOvr>
+    <a:masterClrMapping/>
+  </p:clrMapOvr>
+</p:sld>
+</file>
+
+<file path=ppt/slides/slide11.xml><?xml version="1.0" encoding="utf-8"?>
+<p:sld xmlns:a="http://schemas.openxmlformats.org/drawingml/2006/main" xmlns:r="http://schemas.openxmlformats.org/officeDocument/2006/relationships" xmlns:p="http://schemas.openxmlformats.org/presentationml/2006/main">
+  <p:cSld>
+    <p:spTree>
+      <p:nvGrpSpPr>
+        <p:cNvPr id="1" name=""/>
+        <p:cNvGrpSpPr/>
+        <p:nvPr/>
+      </p:nvGrpSpPr>
+      <p:grpSpPr>
+        <a:xfrm>
+          <a:off x="0" y="0"/>
+          <a:ext cx="0" cy="0"/>
+          <a:chOff x="0" y="0"/>
+          <a:chExt cx="0" cy="0"/>
+        </a:xfrm>
+      </p:grpSpPr>
+      <p:sp>
+        <p:nvSpPr>
+          <p:cNvPr id="2" name="标题 1"/>
+          <p:cNvSpPr>
+            <a:spLocks noGrp="1"/>
+          </p:cNvSpPr>
+          <p:nvPr>
+            <p:ph type="title"/>
+          </p:nvPr>
+        </p:nvSpPr>
+        <p:spPr/>
+        <p:txBody>
+          <a:bodyPr/>
+          <a:lstStyle/>
+          <a:p>
+            <a:endParaRPr kumimoji="1" lang="zh-CN" altLang="en-US"/>
+          </a:p>
+        </p:txBody>
+      </p:sp>
+      <p:pic>
+        <p:nvPicPr>
+          <p:cNvPr id="4" name="内容占位符 3"/>
+          <p:cNvPicPr>
+            <a:picLocks noGrp="1" noChangeAspect="1"/>
+          </p:cNvPicPr>
+          <p:nvPr>
+            <p:ph idx="1"/>
+          </p:nvPr>
+        </p:nvPicPr>
+        <p:blipFill>
+          <a:blip r:embed="rId2">
+            <a:extLst>
+              <a:ext uri="{28A0092B-C50C-407E-A947-70E740481C1C}">
+                <a14:useLocalDpi xmlns:a14="http://schemas.microsoft.com/office/drawing/2010/main" val="0"/>
+              </a:ext>
+            </a:extLst>
+          </a:blip>
+          <a:stretch>
+            <a:fillRect/>
+          </a:stretch>
+        </p:blipFill>
+        <p:spPr>
+          <a:xfrm>
+            <a:off x="2592925" y="624109"/>
+            <a:ext cx="7453600" cy="5806733"/>
+          </a:xfrm>
+        </p:spPr>
+      </p:pic>
+    </p:spTree>
+    <p:extLst>
+      <p:ext uri="{BB962C8B-B14F-4D97-AF65-F5344CB8AC3E}">
+        <p14:creationId xmlns:p14="http://schemas.microsoft.com/office/powerpoint/2010/main" val="1817833106"/>
+      </p:ext>
+    </p:extLst>
+  </p:cSld>
+  <p:clrMapOvr>
+    <a:masterClrMapping/>
+  </p:clrMapOvr>
+</p:sld>
+</file>
+
+<file path=ppt/slides/slide12.xml><?xml version="1.0" encoding="utf-8"?>
+<p:sld xmlns:a="http://schemas.openxmlformats.org/drawingml/2006/main" xmlns:r="http://schemas.openxmlformats.org/officeDocument/2006/relationships" xmlns:p="http://schemas.openxmlformats.org/presentationml/2006/main">
+  <p:cSld>
+    <p:spTree>
+      <p:nvGrpSpPr>
+        <p:cNvPr id="1" name=""/>
+        <p:cNvGrpSpPr/>
+        <p:nvPr/>
+      </p:nvGrpSpPr>
+      <p:grpSpPr>
+        <a:xfrm>
+          <a:off x="0" y="0"/>
+          <a:ext cx="0" cy="0"/>
+          <a:chOff x="0" y="0"/>
+          <a:chExt cx="0" cy="0"/>
+        </a:xfrm>
+      </p:grpSpPr>
+      <p:sp>
+        <p:nvSpPr>
+          <p:cNvPr id="2" name="标题 1"/>
+          <p:cNvSpPr>
+            <a:spLocks noGrp="1"/>
+          </p:cNvSpPr>
+          <p:nvPr>
+            <p:ph type="title"/>
+          </p:nvPr>
+        </p:nvSpPr>
+        <p:spPr/>
+        <p:txBody>
+          <a:bodyPr/>
+          <a:lstStyle/>
+          <a:p>
+            <a:r>
+              <a:rPr kumimoji="1" lang="zh-CN" altLang="en-US" dirty="0" smtClean="0"/>
+              <a:t>发送验证码</a:t>
+            </a:r>
+            <a:r>
+              <a:rPr kumimoji="1" lang="en-US" altLang="zh-CN" dirty="0" err="1" smtClean="0"/>
+              <a:t>api</a:t>
+            </a:r>
+            <a:endParaRPr kumimoji="1" lang="zh-CN" altLang="en-US" dirty="0"/>
+          </a:p>
+        </p:txBody>
+      </p:sp>
+      <p:pic>
+        <p:nvPicPr>
+          <p:cNvPr id="4" name="内容占位符 3"/>
+          <p:cNvPicPr>
+            <a:picLocks noGrp="1" noChangeAspect="1"/>
+          </p:cNvPicPr>
+          <p:nvPr>
+            <p:ph idx="1"/>
+          </p:nvPr>
+        </p:nvPicPr>
+        <p:blipFill>
+          <a:blip r:embed="rId2">
+            <a:extLst>
+              <a:ext uri="{28A0092B-C50C-407E-A947-70E740481C1C}">
+                <a14:useLocalDpi xmlns:a14="http://schemas.microsoft.com/office/drawing/2010/main" val="0"/>
+              </a:ext>
+            </a:extLst>
+          </a:blip>
+          <a:stretch>
+            <a:fillRect/>
+          </a:stretch>
+        </p:blipFill>
+        <p:spPr>
+          <a:xfrm>
+            <a:off x="6143918" y="0"/>
+            <a:ext cx="6048082" cy="6858000"/>
+          </a:xfrm>
+        </p:spPr>
+      </p:pic>
+    </p:spTree>
+    <p:extLst>
+      <p:ext uri="{BB962C8B-B14F-4D97-AF65-F5344CB8AC3E}">
+        <p14:creationId xmlns:p14="http://schemas.microsoft.com/office/powerpoint/2010/main" val="395672724"/>
+      </p:ext>
+    </p:extLst>
+  </p:cSld>
+  <p:clrMapOvr>
+    <a:masterClrMapping/>
+  </p:clrMapOvr>
+</p:sld>
+</file>
+
+<file path=ppt/slides/slide13.xml><?xml version="1.0" encoding="utf-8"?>
+<p:sld xmlns:a="http://schemas.openxmlformats.org/drawingml/2006/main" xmlns:r="http://schemas.openxmlformats.org/officeDocument/2006/relationships" xmlns:p="http://schemas.openxmlformats.org/presentationml/2006/main">
+  <p:cSld>
+    <p:spTree>
+      <p:nvGrpSpPr>
+        <p:cNvPr id="1" name=""/>
+        <p:cNvGrpSpPr/>
+        <p:nvPr/>
+      </p:nvGrpSpPr>
+      <p:grpSpPr>
+        <a:xfrm>
+          <a:off x="0" y="0"/>
+          <a:ext cx="0" cy="0"/>
+          <a:chOff x="0" y="0"/>
+          <a:chExt cx="0" cy="0"/>
+        </a:xfrm>
+      </p:grpSpPr>
+      <p:sp>
+        <p:nvSpPr>
+          <p:cNvPr id="2" name="标题 1"/>
+          <p:cNvSpPr>
+            <a:spLocks noGrp="1"/>
+          </p:cNvSpPr>
+          <p:nvPr>
+            <p:ph type="title"/>
+          </p:nvPr>
+        </p:nvSpPr>
+        <p:spPr/>
+        <p:txBody>
+          <a:bodyPr/>
+          <a:lstStyle/>
+          <a:p>
+            <a:r>
+              <a:rPr kumimoji="1" lang="zh-CN" altLang="en-US" dirty="0" smtClean="0"/>
+              <a:t>登陆实现</a:t>
+            </a:r>
+            <a:r>
+              <a:rPr kumimoji="1" lang="en-US" altLang="zh-CN" dirty="0" err="1" smtClean="0"/>
+              <a:t>api</a:t>
+            </a:r>
+            <a:endParaRPr kumimoji="1" lang="zh-CN" altLang="en-US" dirty="0"/>
+          </a:p>
+        </p:txBody>
+      </p:sp>
+      <p:pic>
+        <p:nvPicPr>
+          <p:cNvPr id="4" name="内容占位符 3"/>
+          <p:cNvPicPr>
+            <a:picLocks noGrp="1" noChangeAspect="1"/>
+          </p:cNvPicPr>
+          <p:nvPr>
+            <p:ph idx="1"/>
+          </p:nvPr>
+        </p:nvPicPr>
+        <p:blipFill>
+          <a:blip r:embed="rId2">
+            <a:extLst>
+              <a:ext uri="{28A0092B-C50C-407E-A947-70E740481C1C}">
+                <a14:useLocalDpi xmlns:a14="http://schemas.microsoft.com/office/drawing/2010/main" val="0"/>
+              </a:ext>
+            </a:extLst>
+          </a:blip>
+          <a:stretch>
+            <a:fillRect/>
+          </a:stretch>
+        </p:blipFill>
+        <p:spPr>
+          <a:xfrm>
+            <a:off x="6022050" y="15875"/>
+            <a:ext cx="6169950" cy="6842125"/>
+          </a:xfrm>
+        </p:spPr>
+      </p:pic>
+    </p:spTree>
+    <p:extLst>
+      <p:ext uri="{BB962C8B-B14F-4D97-AF65-F5344CB8AC3E}">
+        <p14:creationId xmlns:p14="http://schemas.microsoft.com/office/powerpoint/2010/main" val="1446582835"/>
+      </p:ext>
+    </p:extLst>
+  </p:cSld>
+  <p:clrMapOvr>
+    <a:masterClrMapping/>
+  </p:clrMapOvr>
+</p:sld>
+</file>
+
+<file path=ppt/slides/slide14.xml><?xml version="1.0" encoding="utf-8"?>
+<p:sld xmlns:a="http://schemas.openxmlformats.org/drawingml/2006/main" xmlns:r="http://schemas.openxmlformats.org/officeDocument/2006/relationships" xmlns:p="http://schemas.openxmlformats.org/presentationml/2006/main">
+  <p:cSld>
+    <p:spTree>
+      <p:nvGrpSpPr>
+        <p:cNvPr id="1" name=""/>
+        <p:cNvGrpSpPr/>
+        <p:nvPr/>
+      </p:nvGrpSpPr>
+      <p:grpSpPr>
+        <a:xfrm>
+          <a:off x="0" y="0"/>
+          <a:ext cx="0" cy="0"/>
+          <a:chOff x="0" y="0"/>
+          <a:chExt cx="0" cy="0"/>
+        </a:xfrm>
+      </p:grpSpPr>
+      <p:sp>
+        <p:nvSpPr>
+          <p:cNvPr id="2" name="标题 1"/>
+          <p:cNvSpPr>
+            <a:spLocks noGrp="1"/>
+          </p:cNvSpPr>
+          <p:nvPr>
+            <p:ph type="title"/>
+          </p:nvPr>
+        </p:nvSpPr>
+        <p:spPr/>
+        <p:txBody>
+          <a:bodyPr/>
+          <a:lstStyle/>
+          <a:p>
+            <a:r>
+              <a:rPr kumimoji="1" lang="en-US" altLang="zh-CN" dirty="0" smtClean="0"/>
+              <a:t>Fetch</a:t>
+            </a:r>
+            <a:r>
+              <a:rPr kumimoji="1" lang="zh-CN" altLang="en-US" dirty="0" smtClean="0"/>
+              <a:t>问题</a:t>
+            </a:r>
+            <a:r>
+              <a:rPr kumimoji="1" lang="en-US" altLang="zh-CN" dirty="0" smtClean="0"/>
+              <a:t/>
+            </a:r>
+            <a:br>
+              <a:rPr kumimoji="1" lang="en-US" altLang="zh-CN" dirty="0" smtClean="0"/>
+            </a:br>
+            <a:endParaRPr kumimoji="1" lang="zh-CN" altLang="en-US" dirty="0"/>
+          </a:p>
+        </p:txBody>
+      </p:sp>
+      <p:pic>
+        <p:nvPicPr>
+          <p:cNvPr id="4" name="内容占位符 3"/>
+          <p:cNvPicPr>
+            <a:picLocks noGrp="1" noChangeAspect="1"/>
+          </p:cNvPicPr>
+          <p:nvPr>
+            <p:ph idx="1"/>
+          </p:nvPr>
+        </p:nvPicPr>
+        <p:blipFill>
+          <a:blip r:embed="rId2">
+            <a:extLst>
+              <a:ext uri="{28A0092B-C50C-407E-A947-70E740481C1C}">
+                <a14:useLocalDpi xmlns:a14="http://schemas.microsoft.com/office/drawing/2010/main" val="0"/>
+              </a:ext>
+            </a:extLst>
+          </a:blip>
+          <a:stretch>
+            <a:fillRect/>
+          </a:stretch>
+        </p:blipFill>
+        <p:spPr>
+          <a:xfrm>
+            <a:off x="2695699" y="3108507"/>
+            <a:ext cx="8915400" cy="1757184"/>
+          </a:xfrm>
+        </p:spPr>
+      </p:pic>
+      <p:sp>
+        <p:nvSpPr>
+          <p:cNvPr id="5" name="文本框 4"/>
+          <p:cNvSpPr txBox="1"/>
+          <p:nvPr/>
+        </p:nvSpPr>
+        <p:spPr>
+          <a:xfrm>
+            <a:off x="2695699" y="1555668"/>
+            <a:ext cx="8490857" cy="1754326"/>
+          </a:xfrm>
+          <a:prstGeom prst="rect">
+            <a:avLst/>
+          </a:prstGeom>
+          <a:noFill/>
+        </p:spPr>
+        <p:txBody>
+          <a:bodyPr wrap="square" rtlCol="0">
+            <a:spAutoFit/>
+          </a:bodyPr>
+          <a:lstStyle/>
+          <a:p>
+            <a:r>
+              <a:rPr kumimoji="1" lang="en-US" altLang="zh-CN" dirty="0" smtClean="0"/>
+              <a:t>Fetch</a:t>
+            </a:r>
+            <a:r>
+              <a:rPr kumimoji="1" lang="zh-CN" altLang="en-US" dirty="0" smtClean="0"/>
+              <a:t>默认不会发送</a:t>
+            </a:r>
+            <a:r>
+              <a:rPr kumimoji="1" lang="en-US" altLang="zh-CN" dirty="0" smtClean="0"/>
+              <a:t>cookie</a:t>
+            </a:r>
+            <a:r>
+              <a:rPr kumimoji="1" lang="zh-CN" altLang="en-US" dirty="0" smtClean="0"/>
+              <a:t>，所以每次拿到的后台</a:t>
+            </a:r>
+            <a:r>
+              <a:rPr kumimoji="1" lang="en-US" altLang="zh-CN" dirty="0" smtClean="0"/>
+              <a:t>session</a:t>
+            </a:r>
+            <a:r>
+              <a:rPr kumimoji="1" lang="zh-CN" altLang="en-US" dirty="0" smtClean="0"/>
+              <a:t>都不一样。</a:t>
+            </a:r>
+            <a:endParaRPr kumimoji="1" lang="en-US" altLang="zh-CN" dirty="0" smtClean="0"/>
+          </a:p>
+          <a:p>
+            <a:r>
+              <a:rPr kumimoji="1" lang="zh-CN" altLang="en-US" dirty="0" smtClean="0"/>
+              <a:t>造成的后果是</a:t>
+            </a:r>
+            <a:r>
+              <a:rPr kumimoji="1" lang="en-US" altLang="zh-CN" dirty="0" smtClean="0"/>
+              <a:t>postman</a:t>
+            </a:r>
+            <a:r>
+              <a:rPr kumimoji="1" lang="zh-CN" altLang="en-US" dirty="0" smtClean="0"/>
+              <a:t>里接口测试成功，但是在使用</a:t>
+            </a:r>
+            <a:r>
+              <a:rPr kumimoji="1" lang="en-US" altLang="zh-CN" dirty="0" smtClean="0"/>
+              <a:t>fetch</a:t>
+            </a:r>
+            <a:r>
+              <a:rPr kumimoji="1" lang="zh-CN" altLang="en-US" dirty="0" smtClean="0"/>
+              <a:t>请求相应</a:t>
+            </a:r>
+            <a:r>
+              <a:rPr kumimoji="1" lang="en-US" altLang="zh-CN" dirty="0" smtClean="0"/>
+              <a:t>login</a:t>
+            </a:r>
+            <a:r>
+              <a:rPr kumimoji="1" lang="zh-CN" altLang="en-US" dirty="0" smtClean="0"/>
+              <a:t>，</a:t>
+            </a:r>
+            <a:r>
+              <a:rPr kumimoji="1" lang="en-US" altLang="zh-CN" dirty="0" smtClean="0"/>
+              <a:t>verify</a:t>
+            </a:r>
+            <a:r>
+              <a:rPr kumimoji="1" lang="zh-CN" altLang="en-US" dirty="0" smtClean="0"/>
+              <a:t>接口时在</a:t>
+            </a:r>
+            <a:r>
+              <a:rPr kumimoji="1" lang="en-US" altLang="zh-CN" dirty="0" smtClean="0"/>
+              <a:t>login</a:t>
+            </a:r>
+            <a:r>
+              <a:rPr kumimoji="1" lang="zh-CN" altLang="en-US" dirty="0" smtClean="0"/>
+              <a:t>接口拿不到</a:t>
+            </a:r>
+            <a:r>
+              <a:rPr kumimoji="1" lang="en-US" altLang="zh-CN" dirty="0" smtClean="0"/>
+              <a:t>session</a:t>
+            </a:r>
+          </a:p>
+          <a:p>
+            <a:endParaRPr kumimoji="1" lang="en-US" altLang="zh-CN" dirty="0"/>
+          </a:p>
+          <a:p>
+            <a:r>
+              <a:rPr kumimoji="1" lang="zh-CN" altLang="en-US" dirty="0" smtClean="0"/>
+              <a:t>解决方法如下：</a:t>
+            </a:r>
+            <a:endParaRPr kumimoji="1" lang="en-US" altLang="zh-CN" dirty="0" smtClean="0"/>
+          </a:p>
+          <a:p>
+            <a:endParaRPr kumimoji="1" lang="en-US" altLang="zh-CN" dirty="0" smtClean="0"/>
+          </a:p>
+        </p:txBody>
+      </p:sp>
+    </p:spTree>
+    <p:extLst>
+      <p:ext uri="{BB962C8B-B14F-4D97-AF65-F5344CB8AC3E}">
+        <p14:creationId xmlns:p14="http://schemas.microsoft.com/office/powerpoint/2010/main" val="1995989613"/>
+      </p:ext>
+    </p:extLst>
+  </p:cSld>
+  <p:clrMapOvr>
+    <a:masterClrMapping/>
+  </p:clrMapOvr>
+</p:sld>
+</file>
+
+<file path=ppt/slides/slide15.xml><?xml version="1.0" encoding="utf-8"?>
+<p:sld xmlns:a="http://schemas.openxmlformats.org/drawingml/2006/main" xmlns:r="http://schemas.openxmlformats.org/officeDocument/2006/relationships" xmlns:p="http://schemas.openxmlformats.org/presentationml/2006/main">
+  <p:cSld>
+    <p:spTree>
+      <p:nvGrpSpPr>
+        <p:cNvPr id="1" name=""/>
+        <p:cNvGrpSpPr/>
+        <p:nvPr/>
+      </p:nvGrpSpPr>
+      <p:grpSpPr>
+        <a:xfrm>
+          <a:off x="0" y="0"/>
+          <a:ext cx="0" cy="0"/>
+          <a:chOff x="0" y="0"/>
+          <a:chExt cx="0" cy="0"/>
+        </a:xfrm>
+      </p:grpSpPr>
+      <p:sp>
+        <p:nvSpPr>
+          <p:cNvPr id="2" name="标题 1"/>
+          <p:cNvSpPr>
+            <a:spLocks noGrp="1"/>
+          </p:cNvSpPr>
+          <p:nvPr>
+            <p:ph type="title"/>
+          </p:nvPr>
+        </p:nvSpPr>
+        <p:spPr/>
+        <p:txBody>
+          <a:bodyPr/>
+          <a:lstStyle/>
+          <a:p>
             <a:endParaRPr kumimoji="1" lang="zh-CN" altLang="en-US"/>
           </a:p>
         </p:txBody>
@@ -7785,7 +8329,7 @@
 </p:sld>
 </file>
 
-<file path=ppt/slides/slide11.xml><?xml version="1.0" encoding="utf-8"?>
+<file path=ppt/slides/slide16.xml><?xml version="1.0" encoding="utf-8"?>
 <p:sld xmlns:a="http://schemas.openxmlformats.org/drawingml/2006/main" xmlns:r="http://schemas.openxmlformats.org/officeDocument/2006/relationships" xmlns:p="http://schemas.openxmlformats.org/presentationml/2006/main">
   <p:cSld>
     <p:spTree>
@@ -7978,7 +8522,7 @@
 </p:sld>
 </file>
 
-<file path=ppt/slides/slide12.xml><?xml version="1.0" encoding="utf-8"?>
+<file path=ppt/slides/slide17.xml><?xml version="1.0" encoding="utf-8"?>
 <p:sld xmlns:a="http://schemas.openxmlformats.org/drawingml/2006/main" xmlns:r="http://schemas.openxmlformats.org/officeDocument/2006/relationships" xmlns:p="http://schemas.openxmlformats.org/presentationml/2006/main">
   <p:cSld>
     <p:spTree>
@@ -8056,7 +8600,7 @@
 </p:sld>
 </file>
 
-<file path=ppt/slides/slide13.xml><?xml version="1.0" encoding="utf-8"?>
+<file path=ppt/slides/slide18.xml><?xml version="1.0" encoding="utf-8"?>
 <p:sld xmlns:a="http://schemas.openxmlformats.org/drawingml/2006/main" xmlns:r="http://schemas.openxmlformats.org/officeDocument/2006/relationships" xmlns:p="http://schemas.openxmlformats.org/presentationml/2006/main">
   <p:cSld>
     <p:spTree>
@@ -8195,6 +8739,333 @@
     <p:extLst>
       <p:ext uri="{BB962C8B-B14F-4D97-AF65-F5344CB8AC3E}">
         <p14:creationId xmlns:p14="http://schemas.microsoft.com/office/powerpoint/2010/main" val="883263785"/>
+      </p:ext>
+    </p:extLst>
+  </p:cSld>
+  <p:clrMapOvr>
+    <a:masterClrMapping/>
+  </p:clrMapOvr>
+</p:sld>
+</file>
+
+<file path=ppt/slides/slide19.xml><?xml version="1.0" encoding="utf-8"?>
+<p:sld xmlns:a="http://schemas.openxmlformats.org/drawingml/2006/main" xmlns:r="http://schemas.openxmlformats.org/officeDocument/2006/relationships" xmlns:p="http://schemas.openxmlformats.org/presentationml/2006/main">
+  <p:cSld>
+    <p:spTree>
+      <p:nvGrpSpPr>
+        <p:cNvPr id="1" name=""/>
+        <p:cNvGrpSpPr/>
+        <p:nvPr/>
+      </p:nvGrpSpPr>
+      <p:grpSpPr>
+        <a:xfrm>
+          <a:off x="0" y="0"/>
+          <a:ext cx="0" cy="0"/>
+          <a:chOff x="0" y="0"/>
+          <a:chExt cx="0" cy="0"/>
+        </a:xfrm>
+      </p:grpSpPr>
+      <p:sp>
+        <p:nvSpPr>
+          <p:cNvPr id="2" name="标题 1"/>
+          <p:cNvSpPr>
+            <a:spLocks noGrp="1"/>
+          </p:cNvSpPr>
+          <p:nvPr>
+            <p:ph type="title"/>
+          </p:nvPr>
+        </p:nvSpPr>
+        <p:spPr/>
+        <p:txBody>
+          <a:bodyPr/>
+          <a:lstStyle/>
+          <a:p>
+            <a:r>
+              <a:rPr kumimoji="1" lang="zh-CN" altLang="en-US" dirty="0" smtClean="0"/>
+              <a:t>项目上线</a:t>
+            </a:r>
+            <a:endParaRPr kumimoji="1" lang="zh-CN" altLang="en-US" dirty="0"/>
+          </a:p>
+        </p:txBody>
+      </p:sp>
+      <p:sp>
+        <p:nvSpPr>
+          <p:cNvPr id="3" name="内容占位符 2"/>
+          <p:cNvSpPr>
+            <a:spLocks noGrp="1"/>
+          </p:cNvSpPr>
+          <p:nvPr>
+            <p:ph idx="1"/>
+          </p:nvPr>
+        </p:nvSpPr>
+        <p:spPr>
+          <a:xfrm>
+            <a:off x="2589212" y="2133600"/>
+            <a:ext cx="8915400" cy="3994068"/>
+          </a:xfrm>
+        </p:spPr>
+        <p:txBody>
+          <a:bodyPr>
+            <a:normAutofit lnSpcReduction="10000"/>
+          </a:bodyPr>
+          <a:lstStyle/>
+          <a:p>
+            <a:r>
+              <a:rPr kumimoji="1" lang="zh-CN" altLang="en-US" dirty="0" smtClean="0"/>
+              <a:t>服务器：</a:t>
+            </a:r>
+            <a:r>
+              <a:rPr kumimoji="1" lang="en-US" altLang="zh-CN" dirty="0" err="1" smtClean="0"/>
+              <a:t>nginx</a:t>
+            </a:r>
+            <a:endParaRPr kumimoji="1" lang="en-US" altLang="zh-CN" dirty="0" smtClean="0"/>
+          </a:p>
+          <a:p>
+            <a:r>
+              <a:rPr kumimoji="1" lang="en-US" altLang="zh-CN" dirty="0" err="1" smtClean="0"/>
+              <a:t>Vue</a:t>
+            </a:r>
+            <a:r>
+              <a:rPr kumimoji="1" lang="zh-CN" altLang="en-US" dirty="0" smtClean="0"/>
+              <a:t>项目打包</a:t>
+            </a:r>
+            <a:endParaRPr kumimoji="1" lang="en-US" altLang="zh-CN" dirty="0" smtClean="0"/>
+          </a:p>
+          <a:p>
+            <a:r>
+              <a:rPr kumimoji="1" lang="zh-CN" altLang="en-US" dirty="0" smtClean="0"/>
+              <a:t>配置服务器端口：</a:t>
+            </a:r>
+            <a:r>
+              <a:rPr lang="en-US" altLang="zh-CN" dirty="0"/>
+              <a:t>server {</a:t>
+            </a:r>
+            <a:br>
+              <a:rPr lang="en-US" altLang="zh-CN" dirty="0"/>
+            </a:br>
+            <a:r>
+              <a:rPr lang="en-US" altLang="zh-CN" dirty="0" smtClean="0"/>
+              <a:t>	listen 1234;#</a:t>
+            </a:r>
+            <a:r>
+              <a:rPr lang="zh-CN" altLang="en-US" dirty="0" smtClean="0"/>
+              <a:t>监听</a:t>
+            </a:r>
+            <a:r>
+              <a:rPr lang="en-US" altLang="zh-CN" dirty="0" smtClean="0"/>
+              <a:t>1234</a:t>
+            </a:r>
+            <a:r>
+              <a:rPr lang="zh-CN" altLang="en-US" dirty="0" smtClean="0"/>
+              <a:t>端口</a:t>
+            </a:r>
+            <a:r>
+              <a:rPr lang="en-US" altLang="zh-CN" dirty="0" smtClean="0"/>
+              <a:t/>
+            </a:r>
+            <a:br>
+              <a:rPr lang="en-US" altLang="zh-CN" dirty="0" smtClean="0"/>
+            </a:br>
+            <a:r>
+              <a:rPr lang="en-US" altLang="zh-CN" dirty="0" smtClean="0"/>
+              <a:t>	listen [::]:1234;#</a:t>
+            </a:r>
+            <a:r>
+              <a:rPr lang="zh-CN" altLang="en-US" dirty="0" smtClean="0"/>
+              <a:t>监听</a:t>
+            </a:r>
+            <a:r>
+              <a:rPr lang="en-US" altLang="zh-CN" dirty="0" smtClean="0"/>
+              <a:t>1234</a:t>
+            </a:r>
+            <a:r>
+              <a:rPr lang="zh-CN" altLang="en-US" dirty="0" smtClean="0"/>
+              <a:t>端口</a:t>
+            </a:r>
+            <a:r>
+              <a:rPr lang="en-US" altLang="zh-CN" dirty="0" smtClean="0"/>
+              <a:t/>
+            </a:r>
+            <a:br>
+              <a:rPr lang="en-US" altLang="zh-CN" dirty="0" smtClean="0"/>
+            </a:br>
+            <a:r>
+              <a:rPr lang="en-US" altLang="zh-CN" dirty="0" smtClean="0"/>
+              <a:t>	</a:t>
+            </a:r>
+            <a:r>
+              <a:rPr lang="en-US" altLang="zh-CN" dirty="0" err="1" smtClean="0"/>
+              <a:t>server_name</a:t>
+            </a:r>
+            <a:r>
+              <a:rPr lang="en-US" altLang="zh-CN" dirty="0" smtClean="0"/>
+              <a:t> _;#</a:t>
+            </a:r>
+            <a:r>
+              <a:rPr lang="zh-CN" altLang="en-US" dirty="0" smtClean="0"/>
+              <a:t>站点域名，只有</a:t>
+            </a:r>
+            <a:r>
+              <a:rPr lang="en-US" altLang="zh-CN" dirty="0" smtClean="0"/>
+              <a:t>IP</a:t>
+            </a:r>
+            <a:r>
+              <a:rPr lang="zh-CN" altLang="en-US" dirty="0" smtClean="0"/>
+              <a:t>时可以用</a:t>
+            </a:r>
+            <a:r>
+              <a:rPr lang="en-US" altLang="zh-CN" dirty="0" smtClean="0"/>
+              <a:t>_</a:t>
+            </a:r>
+            <a:r>
+              <a:rPr lang="zh-CN" altLang="en-US" dirty="0" smtClean="0"/>
+              <a:t>代替</a:t>
+            </a:r>
+            <a:r>
+              <a:rPr lang="en-US" altLang="zh-CN" dirty="0" smtClean="0"/>
+              <a:t/>
+            </a:r>
+            <a:br>
+              <a:rPr lang="en-US" altLang="zh-CN" dirty="0" smtClean="0"/>
+            </a:br>
+            <a:r>
+              <a:rPr lang="en-US" altLang="zh-CN" dirty="0" smtClean="0"/>
+              <a:t>	root /root/</a:t>
+            </a:r>
+            <a:r>
+              <a:rPr lang="en-US" altLang="zh-CN" dirty="0" err="1" smtClean="0"/>
+              <a:t>nginx</a:t>
+            </a:r>
+            <a:r>
+              <a:rPr lang="en-US" altLang="zh-CN" dirty="0" smtClean="0"/>
+              <a:t>/html;#</a:t>
+            </a:r>
+            <a:r>
+              <a:rPr lang="zh-CN" altLang="en-US" dirty="0" smtClean="0"/>
+              <a:t>存放页面的主目录</a:t>
+            </a:r>
+            <a:r>
+              <a:rPr lang="en-US" altLang="zh-CN" dirty="0" smtClean="0"/>
+              <a:t>location / {</a:t>
+            </a:r>
+            <a:br>
+              <a:rPr lang="en-US" altLang="zh-CN" dirty="0" smtClean="0"/>
+            </a:br>
+            <a:r>
+              <a:rPr lang="en-US" altLang="zh-CN" dirty="0" smtClean="0"/>
+              <a:t>		index </a:t>
+            </a:r>
+            <a:r>
+              <a:rPr lang="en-US" altLang="zh-CN" dirty="0" err="1" smtClean="0"/>
+              <a:t>index.html</a:t>
+            </a:r>
+            <a:r>
+              <a:rPr lang="en-US" altLang="zh-CN" dirty="0" smtClean="0"/>
+              <a:t>;#</a:t>
+            </a:r>
+            <a:r>
+              <a:rPr lang="zh-CN" altLang="en-US" dirty="0" smtClean="0"/>
+              <a:t>配置主页名字</a:t>
+            </a:r>
+            <a:r>
+              <a:rPr lang="en-US" altLang="zh-CN" dirty="0" smtClean="0"/>
+              <a:t/>
+            </a:r>
+            <a:br>
+              <a:rPr lang="en-US" altLang="zh-CN" dirty="0" smtClean="0"/>
+            </a:br>
+            <a:r>
+              <a:rPr lang="en-US" altLang="zh-CN" dirty="0" smtClean="0"/>
+              <a:t>	}</a:t>
+            </a:r>
+            <a:r>
+              <a:rPr lang="en-US" altLang="zh-CN" dirty="0"/>
+              <a:t/>
+            </a:r>
+            <a:br>
+              <a:rPr lang="en-US" altLang="zh-CN" dirty="0"/>
+            </a:br>
+            <a:r>
+              <a:rPr lang="en-US" altLang="zh-CN" dirty="0" smtClean="0"/>
+              <a:t>}</a:t>
+            </a:r>
+          </a:p>
+          <a:p>
+            <a:r>
+              <a:rPr lang="zh-CN" altLang="en-US" dirty="0" smtClean="0"/>
+              <a:t>重启</a:t>
+            </a:r>
+            <a:r>
+              <a:rPr lang="en-US" altLang="zh-CN" dirty="0" err="1" smtClean="0"/>
+              <a:t>nginx</a:t>
+            </a:r>
+            <a:r>
+              <a:rPr lang="zh-CN" altLang="en-US" dirty="0" smtClean="0"/>
+              <a:t>  </a:t>
+            </a:r>
+            <a:r>
+              <a:rPr lang="en-US" altLang="zh-CN" dirty="0" err="1" smtClean="0"/>
+              <a:t>nginx</a:t>
+            </a:r>
+            <a:r>
+              <a:rPr lang="zh-CN" altLang="en-US" dirty="0" smtClean="0"/>
+              <a:t> </a:t>
+            </a:r>
+            <a:r>
+              <a:rPr lang="en-US" altLang="zh-CN" dirty="0" smtClean="0"/>
+              <a:t>–s</a:t>
+            </a:r>
+            <a:r>
+              <a:rPr lang="zh-CN" altLang="en-US" dirty="0" smtClean="0"/>
+              <a:t> </a:t>
+            </a:r>
+            <a:r>
+              <a:rPr lang="en-US" altLang="zh-CN" dirty="0" smtClean="0"/>
+              <a:t>reload</a:t>
+            </a:r>
+          </a:p>
+          <a:p>
+            <a:r>
+              <a:rPr lang="zh-CN" altLang="en-US" dirty="0" smtClean="0"/>
+              <a:t>使用</a:t>
+            </a:r>
+            <a:r>
+              <a:rPr lang="en-US" altLang="zh-CN" dirty="0" smtClean="0"/>
+              <a:t>pm2</a:t>
+            </a:r>
+            <a:r>
+              <a:rPr lang="zh-CN" altLang="en-US" dirty="0" smtClean="0"/>
+              <a:t>运行</a:t>
+            </a:r>
+            <a:r>
+              <a:rPr lang="en-US" altLang="zh-CN" dirty="0" smtClean="0"/>
+              <a:t>express</a:t>
+            </a:r>
+            <a:r>
+              <a:rPr lang="zh-CN" altLang="en-US" dirty="0" smtClean="0"/>
+              <a:t>项目</a:t>
+            </a:r>
+            <a:endParaRPr lang="en-US" altLang="zh-CN" dirty="0" smtClean="0"/>
+          </a:p>
+          <a:p>
+            <a:r>
+              <a:rPr lang="en-US" altLang="zh-CN" dirty="0" smtClean="0"/>
+              <a:t>Pm2 start ./bin/www</a:t>
+            </a:r>
+            <a:endParaRPr lang="en-US" altLang="zh-CN" dirty="0"/>
+          </a:p>
+          <a:p>
+            <a:endParaRPr kumimoji="1" lang="en-US" altLang="zh-CN" dirty="0" smtClean="0"/>
+          </a:p>
+          <a:p>
+            <a:endParaRPr kumimoji="1" lang="en-US" altLang="zh-CN" dirty="0"/>
+          </a:p>
+        </p:txBody>
+      </p:sp>
+    </p:spTree>
+    <p:extLst>
+      <p:ext uri="{BB962C8B-B14F-4D97-AF65-F5344CB8AC3E}">
+        <p14:creationId xmlns:p14="http://schemas.microsoft.com/office/powerpoint/2010/main" val="1712476573"/>
       </p:ext>
     </p:extLst>
   </p:cSld>
@@ -8424,32 +9295,14 @@
             <p:ph type="title"/>
           </p:nvPr>
         </p:nvSpPr>
-        <p:spPr>
-          <a:xfrm>
-            <a:off x="7030192" y="624110"/>
-            <a:ext cx="4474420" cy="1216566"/>
-          </a:xfrm>
-        </p:spPr>
-        <p:txBody>
-          <a:bodyPr>
-            <a:normAutofit/>
-          </a:bodyPr>
+        <p:spPr/>
+        <p:txBody>
+          <a:bodyPr/>
           <a:lstStyle/>
           <a:p>
             <a:r>
               <a:rPr kumimoji="1" lang="zh-CN" altLang="en-US" dirty="0" smtClean="0"/>
-              <a:t>登陆操作</a:t>
-            </a:r>
-            <a:r>
-              <a:rPr kumimoji="1" lang="en-US" altLang="zh-CN" dirty="0" smtClean="0"/>
-              <a:t/>
-            </a:r>
-            <a:br>
-              <a:rPr kumimoji="1" lang="en-US" altLang="zh-CN" dirty="0" smtClean="0"/>
-            </a:br>
-            <a:r>
-              <a:rPr kumimoji="1" lang="zh-CN" altLang="en-US" dirty="0" smtClean="0"/>
-              <a:t>使用验证码登陆</a:t>
+              <a:t>路由配置</a:t>
             </a:r>
             <a:endParaRPr kumimoji="1" lang="zh-CN" altLang="en-US" dirty="0"/>
           </a:p>
@@ -8479,112 +9332,45 @@
         </p:blipFill>
         <p:spPr>
           <a:xfrm>
-            <a:off x="2592925" y="624109"/>
-            <a:ext cx="3985713" cy="5978571"/>
+            <a:off x="2696421" y="1905000"/>
+            <a:ext cx="1955800" cy="2133600"/>
           </a:xfrm>
         </p:spPr>
       </p:pic>
-      <p:sp>
-        <p:nvSpPr>
-          <p:cNvPr id="5" name="文本框 4"/>
-          <p:cNvSpPr txBox="1"/>
+      <p:pic>
+        <p:nvPicPr>
+          <p:cNvPr id="5" name="图片 4"/>
+          <p:cNvPicPr>
+            <a:picLocks noChangeAspect="1"/>
+          </p:cNvPicPr>
           <p:nvPr/>
-        </p:nvSpPr>
+        </p:nvPicPr>
+        <p:blipFill>
+          <a:blip r:embed="rId3">
+            <a:extLst>
+              <a:ext uri="{28A0092B-C50C-407E-A947-70E740481C1C}">
+                <a14:useLocalDpi xmlns:a14="http://schemas.microsoft.com/office/drawing/2010/main" val="0"/>
+              </a:ext>
+            </a:extLst>
+          </a:blip>
+          <a:stretch>
+            <a:fillRect/>
+          </a:stretch>
+        </p:blipFill>
         <p:spPr>
           <a:xfrm>
-            <a:off x="7220197" y="2208810"/>
-            <a:ext cx="3610099" cy="2308324"/>
+            <a:off x="4755717" y="1905000"/>
+            <a:ext cx="7175500" cy="4241800"/>
           </a:xfrm>
           <a:prstGeom prst="rect">
             <a:avLst/>
           </a:prstGeom>
-          <a:noFill/>
         </p:spPr>
-        <p:txBody>
-          <a:bodyPr wrap="square" rtlCol="0">
-            <a:spAutoFit/>
-          </a:bodyPr>
-          <a:lstStyle/>
-          <a:p>
-            <a:r>
-              <a:rPr kumimoji="1" lang="zh-CN" altLang="en-US" dirty="0" smtClean="0"/>
-              <a:t>使用</a:t>
-            </a:r>
-            <a:r>
-              <a:rPr kumimoji="1" lang="en-US" altLang="zh-CN" dirty="0" smtClean="0"/>
-              <a:t>:</a:t>
-            </a:r>
-          </a:p>
-          <a:p>
-            <a:r>
-              <a:rPr kumimoji="1" lang="en-US" altLang="zh-CN" dirty="0" err="1" smtClean="0"/>
-              <a:t>nodemailer</a:t>
-            </a:r>
-            <a:r>
-              <a:rPr kumimoji="1" lang="zh-CN" altLang="en-US" dirty="0" smtClean="0"/>
-              <a:t>模块</a:t>
-            </a:r>
-            <a:endParaRPr kumimoji="1" lang="en-US" altLang="zh-CN" dirty="0" smtClean="0"/>
-          </a:p>
-          <a:p>
-            <a:endParaRPr kumimoji="1" lang="en-US" altLang="zh-CN" dirty="0"/>
-          </a:p>
-          <a:p>
-            <a:r>
-              <a:rPr kumimoji="1" lang="en-US" altLang="zh-CN" dirty="0" err="1" smtClean="0"/>
-              <a:t>npm</a:t>
-            </a:r>
-            <a:r>
-              <a:rPr kumimoji="1" lang="en-US" altLang="zh-CN" dirty="0" smtClean="0"/>
-              <a:t> install </a:t>
-            </a:r>
-            <a:r>
-              <a:rPr kumimoji="1" lang="en-US" altLang="zh-CN" dirty="0" err="1" smtClean="0"/>
-              <a:t>nodemailer</a:t>
-            </a:r>
-            <a:r>
-              <a:rPr kumimoji="1" lang="en-US" altLang="zh-CN" dirty="0" smtClean="0"/>
-              <a:t> –S</a:t>
-            </a:r>
-          </a:p>
-          <a:p>
-            <a:endParaRPr kumimoji="1" lang="en-US" altLang="zh-CN" dirty="0"/>
-          </a:p>
-          <a:p>
-            <a:r>
-              <a:rPr lang="en-US" altLang="zh-CN" dirty="0" smtClean="0"/>
-              <a:t>express-session</a:t>
-            </a:r>
-            <a:r>
-              <a:rPr lang="zh-CN" altLang="en-US" dirty="0" smtClean="0"/>
-              <a:t>模块</a:t>
-            </a:r>
-            <a:endParaRPr lang="en-US" altLang="zh-CN" dirty="0" smtClean="0"/>
-          </a:p>
-          <a:p>
-            <a:endParaRPr kumimoji="1" lang="en-US" altLang="zh-CN" dirty="0"/>
-          </a:p>
-          <a:p>
-            <a:r>
-              <a:rPr kumimoji="1" lang="en-US" altLang="zh-CN" dirty="0" err="1"/>
-              <a:t>n</a:t>
-            </a:r>
-            <a:r>
-              <a:rPr kumimoji="1" lang="en-US" altLang="zh-CN" dirty="0" err="1" smtClean="0"/>
-              <a:t>pm</a:t>
-            </a:r>
-            <a:r>
-              <a:rPr kumimoji="1" lang="en-US" altLang="zh-CN" dirty="0" smtClean="0"/>
-              <a:t> install express-session -S</a:t>
-            </a:r>
-            <a:endParaRPr kumimoji="1" lang="zh-CN" altLang="en-US" dirty="0"/>
-          </a:p>
-        </p:txBody>
-      </p:sp>
+      </p:pic>
     </p:spTree>
     <p:extLst>
       <p:ext uri="{BB962C8B-B14F-4D97-AF65-F5344CB8AC3E}">
-        <p14:creationId xmlns:p14="http://schemas.microsoft.com/office/powerpoint/2010/main" val="577484009"/>
+        <p14:creationId xmlns:p14="http://schemas.microsoft.com/office/powerpoint/2010/main" val="1085436281"/>
       </p:ext>
     </p:extLst>
   </p:cSld>
@@ -8621,14 +9407,21 @@
             <p:ph type="title"/>
           </p:nvPr>
         </p:nvSpPr>
-        <p:spPr/>
-        <p:txBody>
-          <a:bodyPr/>
+        <p:spPr>
+          <a:xfrm>
+            <a:off x="2094162" y="-242788"/>
+            <a:ext cx="8911687" cy="45719"/>
+          </a:xfrm>
+        </p:spPr>
+        <p:txBody>
+          <a:bodyPr>
+            <a:normAutofit fontScale="90000"/>
+          </a:bodyPr>
           <a:lstStyle/>
           <a:p>
             <a:r>
-              <a:rPr kumimoji="1" lang="zh-CN" altLang="en-US" dirty="0" smtClean="0"/>
-              <a:t>实现流程</a:t>
+              <a:rPr kumimoji="1" lang="en-US" altLang="zh-CN" dirty="0" smtClean="0"/>
+              <a:t> </a:t>
             </a:r>
             <a:endParaRPr kumimoji="1" lang="zh-CN" altLang="en-US" dirty="0"/>
           </a:p>
@@ -8658,15 +9451,75 @@
         </p:blipFill>
         <p:spPr>
           <a:xfrm>
-            <a:off x="2592925" y="1264555"/>
-            <a:ext cx="7346722" cy="5327370"/>
+            <a:off x="6962089" y="0"/>
+            <a:ext cx="3852460" cy="6858000"/>
           </a:xfrm>
         </p:spPr>
       </p:pic>
+      <p:pic>
+        <p:nvPicPr>
+          <p:cNvPr id="5" name="图片 4"/>
+          <p:cNvPicPr>
+            <a:picLocks noChangeAspect="1"/>
+          </p:cNvPicPr>
+          <p:nvPr/>
+        </p:nvPicPr>
+        <p:blipFill>
+          <a:blip r:embed="rId3">
+            <a:extLst>
+              <a:ext uri="{28A0092B-C50C-407E-A947-70E740481C1C}">
+                <a14:useLocalDpi xmlns:a14="http://schemas.microsoft.com/office/drawing/2010/main" val="0"/>
+              </a:ext>
+            </a:extLst>
+          </a:blip>
+          <a:stretch>
+            <a:fillRect/>
+          </a:stretch>
+        </p:blipFill>
+        <p:spPr>
+          <a:xfrm>
+            <a:off x="2706585" y="2169062"/>
+            <a:ext cx="1968500" cy="1485900"/>
+          </a:xfrm>
+          <a:prstGeom prst="rect">
+            <a:avLst/>
+          </a:prstGeom>
+        </p:spPr>
+      </p:pic>
+      <p:sp>
+        <p:nvSpPr>
+          <p:cNvPr id="8" name="文本框 7"/>
+          <p:cNvSpPr txBox="1"/>
+          <p:nvPr/>
+        </p:nvSpPr>
+        <p:spPr>
+          <a:xfrm>
+            <a:off x="2434441" y="926275"/>
+            <a:ext cx="4773881" cy="646331"/>
+          </a:xfrm>
+          <a:prstGeom prst="rect">
+            <a:avLst/>
+          </a:prstGeom>
+          <a:noFill/>
+        </p:spPr>
+        <p:txBody>
+          <a:bodyPr wrap="square" rtlCol="0">
+            <a:spAutoFit/>
+          </a:bodyPr>
+          <a:lstStyle/>
+          <a:p>
+            <a:r>
+              <a:rPr kumimoji="1" lang="zh-CN" altLang="en-US" sz="3600" dirty="0" smtClean="0"/>
+              <a:t>今日推荐页</a:t>
+            </a:r>
+            <a:endParaRPr kumimoji="1" lang="zh-CN" altLang="en-US" sz="3600" dirty="0"/>
+          </a:p>
+        </p:txBody>
+      </p:sp>
     </p:spTree>
     <p:extLst>
       <p:ext uri="{BB962C8B-B14F-4D97-AF65-F5344CB8AC3E}">
-        <p14:creationId xmlns:p14="http://schemas.microsoft.com/office/powerpoint/2010/main" val="2108782791"/>
+        <p14:creationId xmlns:p14="http://schemas.microsoft.com/office/powerpoint/2010/main" val="124355045"/>
       </p:ext>
     </p:extLst>
   </p:cSld>
@@ -8708,7 +9561,11 @@
           <a:bodyPr/>
           <a:lstStyle/>
           <a:p>
-            <a:endParaRPr kumimoji="1" lang="zh-CN" altLang="en-US"/>
+            <a:r>
+              <a:rPr kumimoji="1" lang="zh-CN" altLang="en-US" dirty="0" smtClean="0"/>
+              <a:t>分类组件</a:t>
+            </a:r>
+            <a:endParaRPr kumimoji="1" lang="zh-CN" altLang="en-US" dirty="0"/>
           </a:p>
         </p:txBody>
       </p:sp>
@@ -8736,15 +9593,45 @@
         </p:blipFill>
         <p:spPr>
           <a:xfrm>
-            <a:off x="2592925" y="624109"/>
-            <a:ext cx="7453600" cy="5806733"/>
+            <a:off x="2592925" y="1905000"/>
+            <a:ext cx="2581584" cy="3854532"/>
           </a:xfrm>
+        </p:spPr>
+      </p:pic>
+      <p:pic>
+        <p:nvPicPr>
+          <p:cNvPr id="5" name="图片 4"/>
+          <p:cNvPicPr>
+            <a:picLocks noChangeAspect="1"/>
+          </p:cNvPicPr>
+          <p:nvPr/>
+        </p:nvPicPr>
+        <p:blipFill>
+          <a:blip r:embed="rId3">
+            <a:extLst>
+              <a:ext uri="{28A0092B-C50C-407E-A947-70E740481C1C}">
+                <a14:useLocalDpi xmlns:a14="http://schemas.microsoft.com/office/drawing/2010/main" val="0"/>
+              </a:ext>
+            </a:extLst>
+          </a:blip>
+          <a:stretch>
+            <a:fillRect/>
+          </a:stretch>
+        </p:blipFill>
+        <p:spPr>
+          <a:xfrm>
+            <a:off x="7029327" y="0"/>
+            <a:ext cx="3884097" cy="6877443"/>
+          </a:xfrm>
+          <a:prstGeom prst="rect">
+            <a:avLst/>
+          </a:prstGeom>
         </p:spPr>
       </p:pic>
     </p:spTree>
     <p:extLst>
       <p:ext uri="{BB962C8B-B14F-4D97-AF65-F5344CB8AC3E}">
-        <p14:creationId xmlns:p14="http://schemas.microsoft.com/office/powerpoint/2010/main" val="1817833106"/>
+        <p14:creationId xmlns:p14="http://schemas.microsoft.com/office/powerpoint/2010/main" val="1812052834"/>
       </p:ext>
     </p:extLst>
   </p:cSld>
@@ -8788,11 +9675,7 @@
           <a:p>
             <a:r>
               <a:rPr kumimoji="1" lang="zh-CN" altLang="en-US" dirty="0" smtClean="0"/>
-              <a:t>发送验证码</a:t>
-            </a:r>
-            <a:r>
-              <a:rPr kumimoji="1" lang="en-US" altLang="zh-CN" dirty="0" err="1" smtClean="0"/>
-              <a:t>api</a:t>
+              <a:t>最后抢购页</a:t>
             </a:r>
             <a:endParaRPr kumimoji="1" lang="zh-CN" altLang="en-US" dirty="0"/>
           </a:p>
@@ -8822,15 +9705,45 @@
         </p:blipFill>
         <p:spPr>
           <a:xfrm>
-            <a:off x="6143918" y="0"/>
-            <a:ext cx="6048082" cy="6858000"/>
+            <a:off x="2592925" y="1905000"/>
+            <a:ext cx="1889125" cy="3778250"/>
           </a:xfrm>
+        </p:spPr>
+      </p:pic>
+      <p:pic>
+        <p:nvPicPr>
+          <p:cNvPr id="5" name="图片 4"/>
+          <p:cNvPicPr>
+            <a:picLocks noChangeAspect="1"/>
+          </p:cNvPicPr>
+          <p:nvPr/>
+        </p:nvPicPr>
+        <p:blipFill>
+          <a:blip r:embed="rId3">
+            <a:extLst>
+              <a:ext uri="{28A0092B-C50C-407E-A947-70E740481C1C}">
+                <a14:useLocalDpi xmlns:a14="http://schemas.microsoft.com/office/drawing/2010/main" val="0"/>
+              </a:ext>
+            </a:extLst>
+          </a:blip>
+          <a:stretch>
+            <a:fillRect/>
+          </a:stretch>
+        </p:blipFill>
+        <p:spPr>
+          <a:xfrm>
+            <a:off x="7048768" y="0"/>
+            <a:ext cx="3849925" cy="6858000"/>
+          </a:xfrm>
+          <a:prstGeom prst="rect">
+            <a:avLst/>
+          </a:prstGeom>
         </p:spPr>
       </p:pic>
     </p:spTree>
     <p:extLst>
       <p:ext uri="{BB962C8B-B14F-4D97-AF65-F5344CB8AC3E}">
-        <p14:creationId xmlns:p14="http://schemas.microsoft.com/office/powerpoint/2010/main" val="395672724"/>
+        <p14:creationId xmlns:p14="http://schemas.microsoft.com/office/powerpoint/2010/main" val="1007154927"/>
       </p:ext>
     </p:extLst>
   </p:cSld>
@@ -8874,11 +9787,7 @@
           <a:p>
             <a:r>
               <a:rPr kumimoji="1" lang="zh-CN" altLang="en-US" dirty="0" smtClean="0"/>
-              <a:t>登陆实现</a:t>
-            </a:r>
-            <a:r>
-              <a:rPr kumimoji="1" lang="en-US" altLang="zh-CN" dirty="0" err="1" smtClean="0"/>
-              <a:t>api</a:t>
+              <a:t>用户页</a:t>
             </a:r>
             <a:endParaRPr kumimoji="1" lang="zh-CN" altLang="en-US" dirty="0"/>
           </a:p>
@@ -8908,15 +9817,45 @@
         </p:blipFill>
         <p:spPr>
           <a:xfrm>
-            <a:off x="6022050" y="15875"/>
-            <a:ext cx="6169950" cy="6842125"/>
+            <a:off x="2716378" y="2381539"/>
+            <a:ext cx="2438400" cy="2451100"/>
           </a:xfrm>
+        </p:spPr>
+      </p:pic>
+      <p:pic>
+        <p:nvPicPr>
+          <p:cNvPr id="5" name="图片 4"/>
+          <p:cNvPicPr>
+            <a:picLocks noChangeAspect="1"/>
+          </p:cNvPicPr>
+          <p:nvPr/>
+        </p:nvPicPr>
+        <p:blipFill>
+          <a:blip r:embed="rId3">
+            <a:extLst>
+              <a:ext uri="{28A0092B-C50C-407E-A947-70E740481C1C}">
+                <a14:useLocalDpi xmlns:a14="http://schemas.microsoft.com/office/drawing/2010/main" val="0"/>
+              </a:ext>
+            </a:extLst>
+          </a:blip>
+          <a:stretch>
+            <a:fillRect/>
+          </a:stretch>
+        </p:blipFill>
+        <p:spPr>
+          <a:xfrm>
+            <a:off x="7264235" y="0"/>
+            <a:ext cx="3861486" cy="6858000"/>
+          </a:xfrm>
+          <a:prstGeom prst="rect">
+            <a:avLst/>
+          </a:prstGeom>
         </p:spPr>
       </p:pic>
     </p:spTree>
     <p:extLst>
       <p:ext uri="{BB962C8B-B14F-4D97-AF65-F5344CB8AC3E}">
-        <p14:creationId xmlns:p14="http://schemas.microsoft.com/office/powerpoint/2010/main" val="1446582835"/>
+        <p14:creationId xmlns:p14="http://schemas.microsoft.com/office/powerpoint/2010/main" val="223005354"/>
       </p:ext>
     </p:extLst>
   </p:cSld>
@@ -8953,18 +9892,21 @@
             <p:ph type="title"/>
           </p:nvPr>
         </p:nvSpPr>
-        <p:spPr/>
-        <p:txBody>
-          <a:bodyPr/>
+        <p:spPr>
+          <a:xfrm>
+            <a:off x="7030192" y="624110"/>
+            <a:ext cx="4474420" cy="1216566"/>
+          </a:xfrm>
+        </p:spPr>
+        <p:txBody>
+          <a:bodyPr>
+            <a:normAutofit/>
+          </a:bodyPr>
           <a:lstStyle/>
           <a:p>
             <a:r>
-              <a:rPr kumimoji="1" lang="en-US" altLang="zh-CN" dirty="0" smtClean="0"/>
-              <a:t>Fetch</a:t>
-            </a:r>
-            <a:r>
               <a:rPr kumimoji="1" lang="zh-CN" altLang="en-US" dirty="0" smtClean="0"/>
-              <a:t>问题</a:t>
+              <a:t>登陆操作</a:t>
             </a:r>
             <a:r>
               <a:rPr kumimoji="1" lang="en-US" altLang="zh-CN" dirty="0" smtClean="0"/>
@@ -8973,6 +9915,10 @@
             <a:br>
               <a:rPr kumimoji="1" lang="en-US" altLang="zh-CN" dirty="0" smtClean="0"/>
             </a:br>
+            <a:r>
+              <a:rPr kumimoji="1" lang="zh-CN" altLang="en-US" dirty="0" smtClean="0"/>
+              <a:t>使用验证码登陆</a:t>
+            </a:r>
             <a:endParaRPr kumimoji="1" lang="zh-CN" altLang="en-US" dirty="0"/>
           </a:p>
         </p:txBody>
@@ -9001,8 +9947,8 @@
         </p:blipFill>
         <p:spPr>
           <a:xfrm>
-            <a:off x="2695699" y="3108507"/>
-            <a:ext cx="8915400" cy="1757184"/>
+            <a:off x="2592925" y="624109"/>
+            <a:ext cx="3985713" cy="5978571"/>
           </a:xfrm>
         </p:spPr>
       </p:pic>
@@ -9014,8 +9960,8 @@
         </p:nvSpPr>
         <p:spPr>
           <a:xfrm>
-            <a:off x="2695699" y="1555668"/>
-            <a:ext cx="8490857" cy="1754326"/>
+            <a:off x="7220197" y="2208810"/>
+            <a:ext cx="3610099" cy="2308324"/>
           </a:xfrm>
           <a:prstGeom prst="rect">
             <a:avLst/>
@@ -9029,100 +9975,84 @@
           <a:lstStyle/>
           <a:p>
             <a:r>
+              <a:rPr kumimoji="1" lang="zh-CN" altLang="en-US" dirty="0" smtClean="0"/>
+              <a:t>使用</a:t>
+            </a:r>
+            <a:r>
               <a:rPr kumimoji="1" lang="en-US" altLang="zh-CN" dirty="0" smtClean="0"/>
-              <a:t>Fetch</a:t>
+              <a:t>:</a:t>
+            </a:r>
+          </a:p>
+          <a:p>
+            <a:r>
+              <a:rPr kumimoji="1" lang="en-US" altLang="zh-CN" dirty="0" err="1" smtClean="0"/>
+              <a:t>nodemailer</a:t>
             </a:r>
             <a:r>
               <a:rPr kumimoji="1" lang="zh-CN" altLang="en-US" dirty="0" smtClean="0"/>
-              <a:t>默认不会发送</a:t>
+              <a:t>模块</a:t>
+            </a:r>
+            <a:endParaRPr kumimoji="1" lang="en-US" altLang="zh-CN" dirty="0" smtClean="0"/>
+          </a:p>
+          <a:p>
+            <a:endParaRPr kumimoji="1" lang="en-US" altLang="zh-CN" dirty="0"/>
+          </a:p>
+          <a:p>
+            <a:r>
+              <a:rPr kumimoji="1" lang="en-US" altLang="zh-CN" dirty="0" err="1" smtClean="0"/>
+              <a:t>npm</a:t>
             </a:r>
             <a:r>
               <a:rPr kumimoji="1" lang="en-US" altLang="zh-CN" dirty="0" smtClean="0"/>
-              <a:t>cookie</a:t>
-            </a:r>
-            <a:r>
-              <a:rPr kumimoji="1" lang="zh-CN" altLang="en-US" dirty="0" smtClean="0"/>
-              <a:t>，所以每次拿到的后台</a:t>
+              <a:t> install </a:t>
+            </a:r>
+            <a:r>
+              <a:rPr kumimoji="1" lang="en-US" altLang="zh-CN" dirty="0" err="1" smtClean="0"/>
+              <a:t>nodemailer</a:t>
             </a:r>
             <a:r>
               <a:rPr kumimoji="1" lang="en-US" altLang="zh-CN" dirty="0" smtClean="0"/>
-              <a:t>session</a:t>
-            </a:r>
-            <a:r>
-              <a:rPr kumimoji="1" lang="zh-CN" altLang="en-US" dirty="0" smtClean="0"/>
-              <a:t>都不一样。</a:t>
-            </a:r>
-            <a:endParaRPr kumimoji="1" lang="en-US" altLang="zh-CN" dirty="0" smtClean="0"/>
-          </a:p>
-          <a:p>
-            <a:r>
-              <a:rPr kumimoji="1" lang="zh-CN" altLang="en-US" dirty="0" smtClean="0"/>
-              <a:t>造成的后果是</a:t>
+              <a:t> –S</a:t>
+            </a:r>
+          </a:p>
+          <a:p>
+            <a:endParaRPr kumimoji="1" lang="en-US" altLang="zh-CN" dirty="0"/>
+          </a:p>
+          <a:p>
+            <a:r>
+              <a:rPr lang="en-US" altLang="zh-CN" dirty="0" smtClean="0"/>
+              <a:t>express-session</a:t>
+            </a:r>
+            <a:r>
+              <a:rPr lang="zh-CN" altLang="en-US" dirty="0" smtClean="0"/>
+              <a:t>模块</a:t>
+            </a:r>
+            <a:endParaRPr lang="en-US" altLang="zh-CN" dirty="0" smtClean="0"/>
+          </a:p>
+          <a:p>
+            <a:endParaRPr kumimoji="1" lang="en-US" altLang="zh-CN" dirty="0"/>
+          </a:p>
+          <a:p>
+            <a:r>
+              <a:rPr kumimoji="1" lang="en-US" altLang="zh-CN" dirty="0" err="1"/>
+              <a:t>n</a:t>
+            </a:r>
+            <a:r>
+              <a:rPr kumimoji="1" lang="en-US" altLang="zh-CN" dirty="0" err="1" smtClean="0"/>
+              <a:t>pm</a:t>
             </a:r>
             <a:r>
               <a:rPr kumimoji="1" lang="en-US" altLang="zh-CN" dirty="0" smtClean="0"/>
-              <a:t>postman</a:t>
-            </a:r>
-            <a:r>
-              <a:rPr kumimoji="1" lang="zh-CN" altLang="en-US" dirty="0" smtClean="0"/>
-              <a:t>里接口测试成功，但是在使用</a:t>
-            </a:r>
-            <a:r>
-              <a:rPr kumimoji="1" lang="en-US" altLang="zh-CN" dirty="0" smtClean="0"/>
-              <a:t>fetch</a:t>
-            </a:r>
-            <a:r>
-              <a:rPr kumimoji="1" lang="zh-CN" altLang="en-US" dirty="0" smtClean="0"/>
-              <a:t>请求相应</a:t>
-            </a:r>
-            <a:r>
-              <a:rPr kumimoji="1" lang="en-US" altLang="zh-CN" dirty="0" smtClean="0"/>
-              <a:t>login</a:t>
-            </a:r>
-            <a:r>
-              <a:rPr kumimoji="1" lang="zh-CN" altLang="en-US" dirty="0" smtClean="0"/>
-              <a:t>，</a:t>
-            </a:r>
-            <a:r>
-              <a:rPr kumimoji="1" lang="en-US" altLang="zh-CN" dirty="0" smtClean="0"/>
-              <a:t>verify</a:t>
-            </a:r>
-            <a:r>
-              <a:rPr kumimoji="1" lang="zh-CN" altLang="en-US" dirty="0" smtClean="0"/>
-              <a:t>接口时在</a:t>
-            </a:r>
-            <a:r>
-              <a:rPr kumimoji="1" lang="en-US" altLang="zh-CN" dirty="0" smtClean="0"/>
-              <a:t>login</a:t>
-            </a:r>
-            <a:r>
-              <a:rPr kumimoji="1" lang="zh-CN" altLang="en-US" dirty="0" smtClean="0"/>
-              <a:t>接口拿不到</a:t>
-            </a:r>
-            <a:r>
-              <a:rPr kumimoji="1" lang="en-US" altLang="zh-CN" dirty="0" smtClean="0"/>
-              <a:t>session</a:t>
-            </a:r>
-          </a:p>
-          <a:p>
-            <a:endParaRPr kumimoji="1" lang="en-US" altLang="zh-CN" dirty="0"/>
-          </a:p>
-          <a:p>
-            <a:r>
-              <a:rPr kumimoji="1" lang="zh-CN" altLang="en-US" dirty="0" smtClean="0"/>
-              <a:t>解决方法如下：</a:t>
-            </a:r>
-            <a:endParaRPr kumimoji="1" lang="en-US" altLang="zh-CN" dirty="0" smtClean="0"/>
-          </a:p>
-          <a:p>
-            <a:endParaRPr kumimoji="1" lang="en-US" altLang="zh-CN" dirty="0" smtClean="0"/>
+              <a:t> install express-session -S</a:t>
+            </a:r>
+            <a:endParaRPr kumimoji="1" lang="zh-CN" altLang="en-US" dirty="0"/>
           </a:p>
         </p:txBody>
       </p:sp>
     </p:spTree>
     <p:extLst>
       <p:ext uri="{BB962C8B-B14F-4D97-AF65-F5344CB8AC3E}">
-        <p14:creationId xmlns:p14="http://schemas.microsoft.com/office/powerpoint/2010/main" val="1995989613"/>
+        <p14:creationId xmlns:p14="http://schemas.microsoft.com/office/powerpoint/2010/main" val="577484009"/>
       </p:ext>
     </p:extLst>
   </p:cSld>
